--- a/Cod_1_Production/Compare_scenarios_ref points.pptx
+++ b/Cod_1_Production/Compare_scenarios_ref points.pptx
@@ -104,6 +104,11 @@
       </a:defRPr>
     </a:lvl9pPr>
   </p:defaultTextStyle>
+  <p:extLst>
+    <p:ext uri="{EFAFB233-063F-42B5-8137-9DF3F51BA10A}">
+      <p15:sldGuideLst xmlns:p15="http://schemas.microsoft.com/office/powerpoint/2012/main"/>
+    </p:ext>
+  </p:extLst>
 </p:presentation>
 </file>
 
@@ -238,7 +243,7 @@
           <a:p>
             <a:fld id="{DC92E3E9-8981-4A90-9106-3BC1CCC1F23A}" type="datetimeFigureOut">
               <a:rPr lang="en-US" smtClean="0"/>
-              <a:t>11/15/2017</a:t>
+              <a:t>11/16/2017</a:t>
             </a:fld>
             <a:endParaRPr lang="en-US"/>
           </a:p>
@@ -408,7 +413,7 @@
           <a:p>
             <a:fld id="{DC92E3E9-8981-4A90-9106-3BC1CCC1F23A}" type="datetimeFigureOut">
               <a:rPr lang="en-US" smtClean="0"/>
-              <a:t>11/15/2017</a:t>
+              <a:t>11/16/2017</a:t>
             </a:fld>
             <a:endParaRPr lang="en-US"/>
           </a:p>
@@ -588,7 +593,7 @@
           <a:p>
             <a:fld id="{DC92E3E9-8981-4A90-9106-3BC1CCC1F23A}" type="datetimeFigureOut">
               <a:rPr lang="en-US" smtClean="0"/>
-              <a:t>11/15/2017</a:t>
+              <a:t>11/16/2017</a:t>
             </a:fld>
             <a:endParaRPr lang="en-US"/>
           </a:p>
@@ -758,7 +763,7 @@
           <a:p>
             <a:fld id="{DC92E3E9-8981-4A90-9106-3BC1CCC1F23A}" type="datetimeFigureOut">
               <a:rPr lang="en-US" smtClean="0"/>
-              <a:t>11/15/2017</a:t>
+              <a:t>11/16/2017</a:t>
             </a:fld>
             <a:endParaRPr lang="en-US"/>
           </a:p>
@@ -1004,7 +1009,7 @@
           <a:p>
             <a:fld id="{DC92E3E9-8981-4A90-9106-3BC1CCC1F23A}" type="datetimeFigureOut">
               <a:rPr lang="en-US" smtClean="0"/>
-              <a:t>11/15/2017</a:t>
+              <a:t>11/16/2017</a:t>
             </a:fld>
             <a:endParaRPr lang="en-US"/>
           </a:p>
@@ -1236,7 +1241,7 @@
           <a:p>
             <a:fld id="{DC92E3E9-8981-4A90-9106-3BC1CCC1F23A}" type="datetimeFigureOut">
               <a:rPr lang="en-US" smtClean="0"/>
-              <a:t>11/15/2017</a:t>
+              <a:t>11/16/2017</a:t>
             </a:fld>
             <a:endParaRPr lang="en-US"/>
           </a:p>
@@ -1603,7 +1608,7 @@
           <a:p>
             <a:fld id="{DC92E3E9-8981-4A90-9106-3BC1CCC1F23A}" type="datetimeFigureOut">
               <a:rPr lang="en-US" smtClean="0"/>
-              <a:t>11/15/2017</a:t>
+              <a:t>11/16/2017</a:t>
             </a:fld>
             <a:endParaRPr lang="en-US"/>
           </a:p>
@@ -1721,7 +1726,7 @@
           <a:p>
             <a:fld id="{DC92E3E9-8981-4A90-9106-3BC1CCC1F23A}" type="datetimeFigureOut">
               <a:rPr lang="en-US" smtClean="0"/>
-              <a:t>11/15/2017</a:t>
+              <a:t>11/16/2017</a:t>
             </a:fld>
             <a:endParaRPr lang="en-US"/>
           </a:p>
@@ -1816,7 +1821,7 @@
           <a:p>
             <a:fld id="{DC92E3E9-8981-4A90-9106-3BC1CCC1F23A}" type="datetimeFigureOut">
               <a:rPr lang="en-US" smtClean="0"/>
-              <a:t>11/15/2017</a:t>
+              <a:t>11/16/2017</a:t>
             </a:fld>
             <a:endParaRPr lang="en-US"/>
           </a:p>
@@ -2093,7 +2098,7 @@
           <a:p>
             <a:fld id="{DC92E3E9-8981-4A90-9106-3BC1CCC1F23A}" type="datetimeFigureOut">
               <a:rPr lang="en-US" smtClean="0"/>
-              <a:t>11/15/2017</a:t>
+              <a:t>11/16/2017</a:t>
             </a:fld>
             <a:endParaRPr lang="en-US"/>
           </a:p>
@@ -2350,7 +2355,7 @@
           <a:p>
             <a:fld id="{DC92E3E9-8981-4A90-9106-3BC1CCC1F23A}" type="datetimeFigureOut">
               <a:rPr lang="en-US" smtClean="0"/>
-              <a:t>11/15/2017</a:t>
+              <a:t>11/16/2017</a:t>
             </a:fld>
             <a:endParaRPr lang="en-US"/>
           </a:p>
@@ -2563,7 +2568,7 @@
           <a:p>
             <a:fld id="{DC92E3E9-8981-4A90-9106-3BC1CCC1F23A}" type="datetimeFigureOut">
               <a:rPr lang="en-US" smtClean="0"/>
-              <a:t>11/15/2017</a:t>
+              <a:t>11/16/2017</a:t>
             </a:fld>
             <a:endParaRPr lang="en-US"/>
           </a:p>
@@ -2970,27 +2975,37 @@
       </p:grpSpPr>
       <p:pic>
         <p:nvPicPr>
-          <p:cNvPr id="4" name="Picture 3"/>
+          <p:cNvPr id="18" name="Picture 17"/>
           <p:cNvPicPr>
             <a:picLocks noChangeAspect="1"/>
           </p:cNvPicPr>
           <p:nvPr/>
         </p:nvPicPr>
         <p:blipFill rotWithShape="1">
-          <a:blip r:embed="rId2">
+          <a:blip r:embed="rId2" cstate="print">
+            <a:clrChange>
+              <a:clrFrom>
+                <a:srgbClr val="FFFFFF"/>
+              </a:clrFrom>
+              <a:clrTo>
+                <a:srgbClr val="FFFFFF">
+                  <a:alpha val="0"/>
+                </a:srgbClr>
+              </a:clrTo>
+            </a:clrChange>
             <a:extLst>
               <a:ext uri="{28A0092B-C50C-407E-A947-70E740481C1C}">
                 <a14:useLocalDpi xmlns:a14="http://schemas.microsoft.com/office/drawing/2010/main" val="0"/>
               </a:ext>
             </a:extLst>
           </a:blip>
-          <a:srcRect l="18137"/>
+          <a:srcRect l="24371"/>
           <a:stretch/>
         </p:blipFill>
         <p:spPr>
           <a:xfrm>
-            <a:off x="5096576" y="159026"/>
-            <a:ext cx="2489752" cy="3041374"/>
+            <a:off x="4983422" y="106325"/>
+            <a:ext cx="2689394" cy="3200400"/>
           </a:xfrm>
           <a:prstGeom prst="rect">
             <a:avLst/>
@@ -2999,27 +3014,37 @@
       </p:pic>
       <p:pic>
         <p:nvPicPr>
-          <p:cNvPr id="5" name="Picture 4"/>
+          <p:cNvPr id="17" name="Picture 16"/>
           <p:cNvPicPr>
             <a:picLocks noChangeAspect="1"/>
           </p:cNvPicPr>
           <p:nvPr/>
         </p:nvPicPr>
         <p:blipFill rotWithShape="1">
-          <a:blip r:embed="rId3">
+          <a:blip r:embed="rId3" cstate="print">
+            <a:clrChange>
+              <a:clrFrom>
+                <a:srgbClr val="FFFFFF"/>
+              </a:clrFrom>
+              <a:clrTo>
+                <a:srgbClr val="FFFFFF">
+                  <a:alpha val="0"/>
+                </a:srgbClr>
+              </a:clrTo>
+            </a:clrChange>
             <a:extLst>
               <a:ext uri="{28A0092B-C50C-407E-A947-70E740481C1C}">
                 <a14:useLocalDpi xmlns:a14="http://schemas.microsoft.com/office/drawing/2010/main" val="0"/>
               </a:ext>
             </a:extLst>
           </a:blip>
-          <a:srcRect l="18112" r="11277"/>
+          <a:srcRect l="24285" r="15479"/>
           <a:stretch/>
         </p:blipFill>
         <p:spPr>
           <a:xfrm>
-            <a:off x="2881427" y="154056"/>
-            <a:ext cx="2151066" cy="3046344"/>
+            <a:off x="2818076" y="106325"/>
+            <a:ext cx="2142011" cy="3200400"/>
           </a:xfrm>
           <a:prstGeom prst="rect">
             <a:avLst/>
@@ -3028,217 +3053,33 @@
       </p:pic>
       <p:pic>
         <p:nvPicPr>
-          <p:cNvPr id="6" name="Picture 5"/>
+          <p:cNvPr id="16" name="Picture 15"/>
           <p:cNvPicPr>
             <a:picLocks noChangeAspect="1"/>
           </p:cNvPicPr>
           <p:nvPr/>
         </p:nvPicPr>
         <p:blipFill rotWithShape="1">
-          <a:blip r:embed="rId4">
+          <a:blip r:embed="rId4" cstate="print">
             <a:extLst>
               <a:ext uri="{28A0092B-C50C-407E-A947-70E740481C1C}">
                 <a14:useLocalDpi xmlns:a14="http://schemas.microsoft.com/office/drawing/2010/main" val="0"/>
               </a:ext>
             </a:extLst>
           </a:blip>
-          <a:srcRect r="10930"/>
+          <a:srcRect r="15731"/>
           <a:stretch/>
         </p:blipFill>
         <p:spPr>
           <a:xfrm>
-            <a:off x="111304" y="154056"/>
-            <a:ext cx="2713383" cy="3046344"/>
+            <a:off x="-178522" y="106325"/>
+            <a:ext cx="2996598" cy="3200400"/>
           </a:xfrm>
           <a:prstGeom prst="rect">
             <a:avLst/>
           </a:prstGeom>
         </p:spPr>
       </p:pic>
-      <p:sp>
-        <p:nvSpPr>
-          <p:cNvPr id="7" name="Rectangle 6"/>
-          <p:cNvSpPr/>
-          <p:nvPr/>
-        </p:nvSpPr>
-        <p:spPr>
-          <a:xfrm>
-            <a:off x="3912781" y="303028"/>
-            <a:ext cx="1063256" cy="388088"/>
-          </a:xfrm>
-          <a:prstGeom prst="rect">
-            <a:avLst/>
-          </a:prstGeom>
-          <a:solidFill>
-            <a:schemeClr val="bg1"/>
-          </a:solidFill>
-          <a:ln>
-            <a:noFill/>
-          </a:ln>
-        </p:spPr>
-        <p:style>
-          <a:lnRef idx="2">
-            <a:schemeClr val="accent1">
-              <a:shade val="50000"/>
-            </a:schemeClr>
-          </a:lnRef>
-          <a:fillRef idx="1">
-            <a:schemeClr val="accent1"/>
-          </a:fillRef>
-          <a:effectRef idx="0">
-            <a:schemeClr val="accent1"/>
-          </a:effectRef>
-          <a:fontRef idx="minor">
-            <a:schemeClr val="lt1"/>
-          </a:fontRef>
-        </p:style>
-        <p:txBody>
-          <a:bodyPr rtlCol="0" anchor="ctr"/>
-          <a:lstStyle/>
-          <a:p>
-            <a:pPr algn="ctr"/>
-            <a:endParaRPr lang="en-US"/>
-          </a:p>
-        </p:txBody>
-      </p:sp>
-      <p:sp>
-        <p:nvSpPr>
-          <p:cNvPr id="8" name="Rectangle 7"/>
-          <p:cNvSpPr/>
-          <p:nvPr/>
-        </p:nvSpPr>
-        <p:spPr>
-          <a:xfrm>
-            <a:off x="6106632" y="303028"/>
-            <a:ext cx="1063256" cy="388088"/>
-          </a:xfrm>
-          <a:prstGeom prst="rect">
-            <a:avLst/>
-          </a:prstGeom>
-          <a:solidFill>
-            <a:schemeClr val="bg1"/>
-          </a:solidFill>
-          <a:ln>
-            <a:noFill/>
-          </a:ln>
-        </p:spPr>
-        <p:style>
-          <a:lnRef idx="2">
-            <a:schemeClr val="accent1">
-              <a:shade val="50000"/>
-            </a:schemeClr>
-          </a:lnRef>
-          <a:fillRef idx="1">
-            <a:schemeClr val="accent1"/>
-          </a:fillRef>
-          <a:effectRef idx="0">
-            <a:schemeClr val="accent1"/>
-          </a:effectRef>
-          <a:fontRef idx="minor">
-            <a:schemeClr val="lt1"/>
-          </a:fontRef>
-        </p:style>
-        <p:txBody>
-          <a:bodyPr rtlCol="0" anchor="ctr"/>
-          <a:lstStyle/>
-          <a:p>
-            <a:pPr algn="ctr"/>
-            <a:endParaRPr lang="en-US"/>
-          </a:p>
-        </p:txBody>
-      </p:sp>
-      <p:sp>
-        <p:nvSpPr>
-          <p:cNvPr id="9" name="Rectangle 8"/>
-          <p:cNvSpPr/>
-          <p:nvPr/>
-        </p:nvSpPr>
-        <p:spPr>
-          <a:xfrm>
-            <a:off x="5126701" y="1557670"/>
-            <a:ext cx="1063256" cy="388088"/>
-          </a:xfrm>
-          <a:prstGeom prst="rect">
-            <a:avLst/>
-          </a:prstGeom>
-          <a:solidFill>
-            <a:schemeClr val="bg1"/>
-          </a:solidFill>
-          <a:ln>
-            <a:noFill/>
-          </a:ln>
-        </p:spPr>
-        <p:style>
-          <a:lnRef idx="2">
-            <a:schemeClr val="accent1">
-              <a:shade val="50000"/>
-            </a:schemeClr>
-          </a:lnRef>
-          <a:fillRef idx="1">
-            <a:schemeClr val="accent1"/>
-          </a:fillRef>
-          <a:effectRef idx="0">
-            <a:schemeClr val="accent1"/>
-          </a:effectRef>
-          <a:fontRef idx="minor">
-            <a:schemeClr val="lt1"/>
-          </a:fontRef>
-        </p:style>
-        <p:txBody>
-          <a:bodyPr rtlCol="0" anchor="ctr"/>
-          <a:lstStyle/>
-          <a:p>
-            <a:pPr algn="ctr"/>
-            <a:endParaRPr lang="en-US"/>
-          </a:p>
-        </p:txBody>
-      </p:sp>
-      <p:sp>
-        <p:nvSpPr>
-          <p:cNvPr id="10" name="Rectangle 9"/>
-          <p:cNvSpPr/>
-          <p:nvPr/>
-        </p:nvSpPr>
-        <p:spPr>
-          <a:xfrm>
-            <a:off x="2893704" y="1568302"/>
-            <a:ext cx="806501" cy="377456"/>
-          </a:xfrm>
-          <a:prstGeom prst="rect">
-            <a:avLst/>
-          </a:prstGeom>
-          <a:solidFill>
-            <a:schemeClr val="bg1"/>
-          </a:solidFill>
-          <a:ln>
-            <a:noFill/>
-          </a:ln>
-        </p:spPr>
-        <p:style>
-          <a:lnRef idx="2">
-            <a:schemeClr val="accent1">
-              <a:shade val="50000"/>
-            </a:schemeClr>
-          </a:lnRef>
-          <a:fillRef idx="1">
-            <a:schemeClr val="accent1"/>
-          </a:fillRef>
-          <a:effectRef idx="0">
-            <a:schemeClr val="accent1"/>
-          </a:effectRef>
-          <a:fontRef idx="minor">
-            <a:schemeClr val="lt1"/>
-          </a:fontRef>
-        </p:style>
-        <p:txBody>
-          <a:bodyPr rtlCol="0" anchor="ctr"/>
-          <a:lstStyle/>
-          <a:p>
-            <a:pPr algn="ctr"/>
-            <a:endParaRPr lang="en-US"/>
-          </a:p>
-        </p:txBody>
-      </p:sp>
       <p:sp>
         <p:nvSpPr>
           <p:cNvPr id="11" name="TextBox 10"/>
@@ -3356,6 +3197,93 @@
               <a:t>Year</a:t>
             </a:r>
             <a:endParaRPr lang="en-US" dirty="0"/>
+          </a:p>
+        </p:txBody>
+      </p:sp>
+      <p:sp>
+        <p:nvSpPr>
+          <p:cNvPr id="2" name="TextBox 1"/>
+          <p:cNvSpPr txBox="1"/>
+          <p:nvPr/>
+        </p:nvSpPr>
+        <p:spPr>
+          <a:xfrm>
+            <a:off x="2254102" y="2817630"/>
+            <a:ext cx="388088" cy="253916"/>
+          </a:xfrm>
+          <a:prstGeom prst="rect">
+            <a:avLst/>
+          </a:prstGeom>
+          <a:noFill/>
+        </p:spPr>
+        <p:txBody>
+          <a:bodyPr wrap="square" rtlCol="0">
+            <a:spAutoFit/>
+          </a:bodyPr>
+          <a:lstStyle/>
+          <a:p>
+            <a:r>
+              <a:rPr lang="en-US" sz="1000" dirty="0"/>
+              <a:t>110</a:t>
+            </a:r>
+          </a:p>
+        </p:txBody>
+      </p:sp>
+      <p:sp>
+        <p:nvSpPr>
+          <p:cNvPr id="10" name="TextBox 9"/>
+          <p:cNvSpPr txBox="1"/>
+          <p:nvPr/>
+        </p:nvSpPr>
+        <p:spPr>
+          <a:xfrm>
+            <a:off x="4387942" y="2817630"/>
+            <a:ext cx="388088" cy="253916"/>
+          </a:xfrm>
+          <a:prstGeom prst="rect">
+            <a:avLst/>
+          </a:prstGeom>
+          <a:noFill/>
+        </p:spPr>
+        <p:txBody>
+          <a:bodyPr wrap="square" rtlCol="0">
+            <a:spAutoFit/>
+          </a:bodyPr>
+          <a:lstStyle/>
+          <a:p>
+            <a:r>
+              <a:rPr lang="en-US" sz="1000" dirty="0"/>
+              <a:t>110</a:t>
+            </a:r>
+          </a:p>
+        </p:txBody>
+      </p:sp>
+      <p:sp>
+        <p:nvSpPr>
+          <p:cNvPr id="15" name="TextBox 14"/>
+          <p:cNvSpPr txBox="1"/>
+          <p:nvPr/>
+        </p:nvSpPr>
+        <p:spPr>
+          <a:xfrm>
+            <a:off x="6547885" y="2817630"/>
+            <a:ext cx="388088" cy="253916"/>
+          </a:xfrm>
+          <a:prstGeom prst="rect">
+            <a:avLst/>
+          </a:prstGeom>
+          <a:noFill/>
+        </p:spPr>
+        <p:txBody>
+          <a:bodyPr wrap="square" rtlCol="0">
+            <a:spAutoFit/>
+          </a:bodyPr>
+          <a:lstStyle/>
+          <a:p>
+            <a:r>
+              <a:rPr lang="en-US" sz="1000" dirty="0"/>
+              <a:t>110</a:t>
+            </a:r>
           </a:p>
         </p:txBody>
       </p:sp>
